--- a/関連資料/構図.pptx
+++ b/関連資料/構図.pptx
@@ -3771,6 +3771,40 @@
           </a:p>
         </p:txBody>
       </p:sp>
+      <p:sp>
+        <p:nvSpPr>
+          <p:cNvPr id="12" name="テキスト ボックス 11"/>
+          <p:cNvSpPr txBox="1"/>
+          <p:nvPr/>
+        </p:nvSpPr>
+        <p:spPr>
+          <a:xfrm>
+            <a:off x="7914290" y="3626069"/>
+            <a:ext cx="1431802" cy="369332"/>
+          </a:xfrm>
+          <a:prstGeom prst="rect">
+            <a:avLst/>
+          </a:prstGeom>
+          <a:noFill/>
+        </p:spPr>
+        <p:txBody>
+          <a:bodyPr wrap="none" rtlCol="0">
+            <a:spAutoFit/>
+          </a:bodyPr>
+          <a:lstStyle/>
+          <a:p>
+            <a:r>
+              <a:rPr kumimoji="1" lang="en-US" altLang="ja-JP" dirty="0" smtClean="0"/>
+              <a:t>Wear</a:t>
+            </a:r>
+            <a:r>
+              <a:rPr kumimoji="1" lang="ja-JP" altLang="en-US" dirty="0" smtClean="0"/>
+              <a:t>の参照</a:t>
+            </a:r>
+            <a:endParaRPr kumimoji="1" lang="ja-JP" altLang="en-US" dirty="0"/>
+          </a:p>
+        </p:txBody>
+      </p:sp>
     </p:spTree>
     <p:extLst>
       <p:ext uri="{BB962C8B-B14F-4D97-AF65-F5344CB8AC3E}">
@@ -3810,6 +3844,46 @@
       </p:grpSpPr>
       <p:sp>
         <p:nvSpPr>
+          <p:cNvPr id="16" name="正方形/長方形 15"/>
+          <p:cNvSpPr/>
+          <p:nvPr/>
+        </p:nvSpPr>
+        <p:spPr>
+          <a:xfrm>
+            <a:off x="4283565" y="152400"/>
+            <a:ext cx="3835400" cy="6375400"/>
+          </a:xfrm>
+          <a:prstGeom prst="rect">
+            <a:avLst/>
+          </a:prstGeom>
+        </p:spPr>
+        <p:style>
+          <a:lnRef idx="2">
+            <a:schemeClr val="accent1">
+              <a:shade val="50000"/>
+            </a:schemeClr>
+          </a:lnRef>
+          <a:fillRef idx="1">
+            <a:schemeClr val="accent1"/>
+          </a:fillRef>
+          <a:effectRef idx="0">
+            <a:schemeClr val="accent1"/>
+          </a:effectRef>
+          <a:fontRef idx="minor">
+            <a:schemeClr val="lt1"/>
+          </a:fontRef>
+        </p:style>
+        <p:txBody>
+          <a:bodyPr rtlCol="0" anchor="ctr"/>
+          <a:lstStyle/>
+          <a:p>
+            <a:pPr algn="ctr"/>
+            <a:endParaRPr kumimoji="1" lang="ja-JP" altLang="en-US"/>
+          </a:p>
+        </p:txBody>
+      </p:sp>
+      <p:sp>
+        <p:nvSpPr>
           <p:cNvPr id="4" name="正方形/長方形 3"/>
           <p:cNvSpPr/>
           <p:nvPr/>
@@ -3915,190 +3989,6 @@
               <a:t>6:30</a:t>
             </a:r>
             <a:endParaRPr kumimoji="1" lang="ja-JP" altLang="en-US" sz="6000" dirty="0"/>
-          </a:p>
-        </p:txBody>
-      </p:sp>
-      <p:sp>
-        <p:nvSpPr>
-          <p:cNvPr id="8" name="角丸四角形 7"/>
-          <p:cNvSpPr/>
-          <p:nvPr/>
-        </p:nvSpPr>
-        <p:spPr>
-          <a:xfrm>
-            <a:off x="8559800" y="2112729"/>
-            <a:ext cx="3289738" cy="756745"/>
-          </a:xfrm>
-          <a:prstGeom prst="roundRect">
-            <a:avLst/>
-          </a:prstGeom>
-          <a:solidFill>
-            <a:schemeClr val="bg1"/>
-          </a:solidFill>
-        </p:spPr>
-        <p:style>
-          <a:lnRef idx="2">
-            <a:schemeClr val="accent1">
-              <a:shade val="50000"/>
-            </a:schemeClr>
-          </a:lnRef>
-          <a:fillRef idx="1">
-            <a:schemeClr val="accent1"/>
-          </a:fillRef>
-          <a:effectRef idx="0">
-            <a:schemeClr val="accent1"/>
-          </a:effectRef>
-          <a:fontRef idx="minor">
-            <a:schemeClr val="lt1"/>
-          </a:fontRef>
-        </p:style>
-        <p:txBody>
-          <a:bodyPr rtlCol="0" anchor="ctr"/>
-          <a:lstStyle/>
-          <a:p>
-            <a:r>
-              <a:rPr lang="ja-JP" altLang="en-US" sz="1400" dirty="0" smtClean="0">
-                <a:ln>
-                  <a:solidFill>
-                    <a:sysClr val="windowText" lastClr="000000"/>
-                  </a:solidFill>
-                </a:ln>
-              </a:rPr>
-              <a:t>朝は寒いですが日中は暑くなります。夜には再び冷え込みます。</a:t>
-            </a:r>
-            <a:endParaRPr lang="en-US" altLang="ja-JP" sz="1400" dirty="0" smtClean="0">
-              <a:ln>
-                <a:solidFill>
-                  <a:sysClr val="windowText" lastClr="000000"/>
-                </a:solidFill>
-              </a:ln>
-            </a:endParaRPr>
-          </a:p>
-          <a:p>
-            <a:r>
-              <a:rPr kumimoji="1" lang="ja-JP" altLang="en-US" sz="1400" dirty="0" smtClean="0">
-                <a:ln>
-                  <a:solidFill>
-                    <a:sysClr val="windowText" lastClr="000000"/>
-                  </a:solidFill>
-                </a:ln>
-              </a:rPr>
-              <a:t>雨は</a:t>
-            </a:r>
-            <a:r>
-              <a:rPr lang="ja-JP" altLang="en-US" sz="1400" dirty="0" smtClean="0">
-                <a:ln>
-                  <a:solidFill>
-                    <a:sysClr val="windowText" lastClr="000000"/>
-                  </a:solidFill>
-                </a:ln>
-              </a:rPr>
-              <a:t>降りません。</a:t>
-            </a:r>
-            <a:endParaRPr kumimoji="1" lang="en-US" altLang="ja-JP" sz="1400" dirty="0" smtClean="0">
-              <a:ln>
-                <a:solidFill>
-                  <a:sysClr val="windowText" lastClr="000000"/>
-                </a:solidFill>
-              </a:ln>
-            </a:endParaRPr>
-          </a:p>
-        </p:txBody>
-      </p:sp>
-      <p:sp>
-        <p:nvSpPr>
-          <p:cNvPr id="9" name="角丸四角形 8"/>
-          <p:cNvSpPr/>
-          <p:nvPr/>
-        </p:nvSpPr>
-        <p:spPr>
-          <a:xfrm>
-            <a:off x="8559800" y="3052140"/>
-            <a:ext cx="3289738" cy="756745"/>
-          </a:xfrm>
-          <a:prstGeom prst="roundRect">
-            <a:avLst/>
-          </a:prstGeom>
-          <a:solidFill>
-            <a:schemeClr val="bg1"/>
-          </a:solidFill>
-        </p:spPr>
-        <p:style>
-          <a:lnRef idx="2">
-            <a:schemeClr val="accent1">
-              <a:shade val="50000"/>
-            </a:schemeClr>
-          </a:lnRef>
-          <a:fillRef idx="1">
-            <a:schemeClr val="accent1"/>
-          </a:fillRef>
-          <a:effectRef idx="0">
-            <a:schemeClr val="accent1"/>
-          </a:effectRef>
-          <a:fontRef idx="minor">
-            <a:schemeClr val="lt1"/>
-          </a:fontRef>
-        </p:style>
-        <p:txBody>
-          <a:bodyPr rtlCol="0" anchor="ctr"/>
-          <a:lstStyle/>
-          <a:p>
-            <a:r>
-              <a:rPr lang="ja-JP" altLang="en-US" sz="1400" dirty="0" smtClean="0">
-                <a:ln>
-                  <a:solidFill>
-                    <a:sysClr val="windowText" lastClr="000000"/>
-                  </a:solidFill>
-                </a:ln>
-              </a:rPr>
-              <a:t>日中になっても気温はあまり上がりません。夜にはさらに冷え込みます。</a:t>
-            </a:r>
-            <a:endParaRPr lang="en-US" altLang="ja-JP" sz="1400" dirty="0" smtClean="0">
-              <a:ln>
-                <a:solidFill>
-                  <a:sysClr val="windowText" lastClr="000000"/>
-                </a:solidFill>
-              </a:ln>
-            </a:endParaRPr>
-          </a:p>
-          <a:p>
-            <a:r>
-              <a:rPr kumimoji="1" lang="ja-JP" altLang="en-US" sz="1400" dirty="0" smtClean="0">
-                <a:ln>
-                  <a:solidFill>
-                    <a:sysClr val="windowText" lastClr="000000"/>
-                  </a:solidFill>
-                </a:ln>
-              </a:rPr>
-              <a:t>雨は</a:t>
-            </a:r>
-            <a:r>
-              <a:rPr lang="en-US" altLang="ja-JP" sz="1400" dirty="0" smtClean="0">
-                <a:ln>
-                  <a:solidFill>
-                    <a:sysClr val="windowText" lastClr="000000"/>
-                  </a:solidFill>
-                </a:ln>
-              </a:rPr>
-              <a:t>13</a:t>
-            </a:r>
-            <a:r>
-              <a:rPr lang="ja-JP" altLang="en-US" sz="1400" dirty="0" smtClean="0">
-                <a:ln>
-                  <a:solidFill>
-                    <a:sysClr val="windowText" lastClr="000000"/>
-                  </a:solidFill>
-                </a:ln>
-              </a:rPr>
-              <a:t>時ごろから明日まで降ります。</a:t>
-            </a:r>
-            <a:endParaRPr kumimoji="1" lang="en-US" altLang="ja-JP" sz="1400" dirty="0" smtClean="0">
-              <a:ln>
-                <a:solidFill>
-                  <a:sysClr val="windowText" lastClr="000000"/>
-                </a:solidFill>
-              </a:ln>
-            </a:endParaRPr>
           </a:p>
         </p:txBody>
       </p:sp>
@@ -4251,7 +4141,7 @@
         </p:nvSpPr>
         <p:spPr>
           <a:xfrm>
-            <a:off x="1031981" y="3942252"/>
+            <a:off x="5140711" y="762205"/>
             <a:ext cx="2176518" cy="2689775"/>
           </a:xfrm>
           <a:prstGeom prst="rect">
@@ -4326,54 +4216,14 @@
       </p:sp>
       <p:sp>
         <p:nvSpPr>
-          <p:cNvPr id="16" name="正方形/長方形 15"/>
+          <p:cNvPr id="28" name="正方形/長方形 27"/>
           <p:cNvSpPr/>
           <p:nvPr/>
         </p:nvSpPr>
         <p:spPr>
           <a:xfrm>
-            <a:off x="4283565" y="152400"/>
-            <a:ext cx="3835400" cy="6375400"/>
-          </a:xfrm>
-          <a:prstGeom prst="rect">
-            <a:avLst/>
-          </a:prstGeom>
-        </p:spPr>
-        <p:style>
-          <a:lnRef idx="2">
-            <a:schemeClr val="accent1">
-              <a:shade val="50000"/>
-            </a:schemeClr>
-          </a:lnRef>
-          <a:fillRef idx="1">
-            <a:schemeClr val="accent1"/>
-          </a:fillRef>
-          <a:effectRef idx="0">
-            <a:schemeClr val="accent1"/>
-          </a:effectRef>
-          <a:fontRef idx="minor">
-            <a:schemeClr val="lt1"/>
-          </a:fontRef>
-        </p:style>
-        <p:txBody>
-          <a:bodyPr rtlCol="0" anchor="ctr"/>
-          <a:lstStyle/>
-          <a:p>
-            <a:pPr algn="ctr"/>
-            <a:endParaRPr kumimoji="1" lang="ja-JP" altLang="en-US"/>
-          </a:p>
-        </p:txBody>
-      </p:sp>
-      <p:sp>
-        <p:nvSpPr>
-          <p:cNvPr id="21" name="正方形/長方形 20"/>
-          <p:cNvSpPr/>
-          <p:nvPr/>
-        </p:nvSpPr>
-        <p:spPr>
-          <a:xfrm>
-            <a:off x="4645789" y="462605"/>
-            <a:ext cx="2176518" cy="2312276"/>
+            <a:off x="3394840" y="762203"/>
+            <a:ext cx="1598887" cy="2689775"/>
           </a:xfrm>
           <a:prstGeom prst="rect">
             <a:avLst/>
@@ -4401,13 +4251,45 @@
           </a:fontRef>
         </p:style>
         <p:txBody>
-          <a:bodyPr rtlCol="0" anchor="ctr"/>
-          <a:lstStyle/>
+          <a:bodyPr rtlCol="0" anchor="t"/>
+          <a:lstStyle/>
+          <a:p>
+            <a:pPr algn="ctr"/>
+            <a:endParaRPr lang="en-US" altLang="ja-JP" dirty="0" smtClean="0"/>
+          </a:p>
+          <a:p>
+            <a:pPr algn="ctr"/>
+            <a:endParaRPr lang="en-US" altLang="ja-JP" dirty="0"/>
+          </a:p>
           <a:p>
             <a:pPr algn="ctr"/>
             <a:r>
               <a:rPr lang="ja-JP" altLang="en-US" dirty="0" smtClean="0"/>
-              <a:t>夜中ちょうどいいコーデ</a:t>
+              <a:t>日中ちょうどいいコーデ</a:t>
+            </a:r>
+            <a:endParaRPr lang="en-US" altLang="ja-JP" dirty="0" smtClean="0"/>
+          </a:p>
+          <a:p>
+            <a:pPr algn="ctr"/>
+            <a:endParaRPr kumimoji="1" lang="en-US" altLang="ja-JP" dirty="0"/>
+          </a:p>
+          <a:p>
+            <a:pPr algn="ctr"/>
+            <a:endParaRPr lang="en-US" altLang="ja-JP" dirty="0" smtClean="0"/>
+          </a:p>
+          <a:p>
+            <a:pPr algn="ctr"/>
+            <a:endParaRPr lang="en-US" altLang="ja-JP" dirty="0" smtClean="0"/>
+          </a:p>
+          <a:p>
+            <a:pPr algn="ctr"/>
+            <a:r>
+              <a:rPr kumimoji="1" lang="ja-JP" altLang="en-US" dirty="0" smtClean="0"/>
+              <a:t>いいね</a:t>
+            </a:r>
+            <a:r>
+              <a:rPr lang="ja-JP" altLang="en-US" dirty="0" smtClean="0"/>
+              <a:t>👍</a:t>
             </a:r>
             <a:endParaRPr kumimoji="1" lang="ja-JP" altLang="en-US" dirty="0"/>
           </a:p>
@@ -4415,14 +4297,14 @@
       </p:sp>
       <p:sp>
         <p:nvSpPr>
-          <p:cNvPr id="22" name="正方形/長方形 21"/>
+          <p:cNvPr id="29" name="正方形/長方形 28"/>
           <p:cNvSpPr/>
           <p:nvPr/>
         </p:nvSpPr>
         <p:spPr>
           <a:xfrm>
-            <a:off x="6822307" y="462605"/>
-            <a:ext cx="1004616" cy="753870"/>
+            <a:off x="7464212" y="768553"/>
+            <a:ext cx="1897117" cy="2689775"/>
           </a:xfrm>
           <a:prstGeom prst="rect">
             <a:avLst/>
@@ -4450,24 +4332,60 @@
           </a:fontRef>
         </p:style>
         <p:txBody>
-          <a:bodyPr rtlCol="0" anchor="ctr"/>
-          <a:lstStyle/>
-          <a:p>
-            <a:pPr algn="ctr"/>
-            <a:endParaRPr kumimoji="1" lang="en-US" altLang="ja-JP" smtClean="0"/>
-          </a:p>
-        </p:txBody>
-      </p:sp>
-      <p:sp>
-        <p:nvSpPr>
-          <p:cNvPr id="23" name="正方形/長方形 22"/>
+          <a:bodyPr rtlCol="0" anchor="t"/>
+          <a:lstStyle/>
+          <a:p>
+            <a:pPr algn="ctr"/>
+            <a:endParaRPr lang="en-US" altLang="ja-JP" dirty="0" smtClean="0"/>
+          </a:p>
+          <a:p>
+            <a:pPr algn="ctr"/>
+            <a:endParaRPr lang="en-US" altLang="ja-JP" dirty="0"/>
+          </a:p>
+          <a:p>
+            <a:pPr algn="ctr"/>
+            <a:r>
+              <a:rPr lang="ja-JP" altLang="en-US" dirty="0" smtClean="0"/>
+              <a:t>日中ちょうどいいコーデ</a:t>
+            </a:r>
+            <a:endParaRPr lang="en-US" altLang="ja-JP" dirty="0" smtClean="0"/>
+          </a:p>
+          <a:p>
+            <a:pPr algn="ctr"/>
+            <a:endParaRPr kumimoji="1" lang="en-US" altLang="ja-JP" dirty="0"/>
+          </a:p>
+          <a:p>
+            <a:pPr algn="ctr"/>
+            <a:endParaRPr lang="en-US" altLang="ja-JP" dirty="0" smtClean="0"/>
+          </a:p>
+          <a:p>
+            <a:pPr algn="ctr"/>
+            <a:endParaRPr lang="en-US" altLang="ja-JP" dirty="0" smtClean="0"/>
+          </a:p>
+          <a:p>
+            <a:pPr algn="ctr"/>
+            <a:r>
+              <a:rPr kumimoji="1" lang="ja-JP" altLang="en-US" dirty="0" smtClean="0"/>
+              <a:t>いいね</a:t>
+            </a:r>
+            <a:r>
+              <a:rPr lang="ja-JP" altLang="en-US" dirty="0" smtClean="0"/>
+              <a:t>👍</a:t>
+            </a:r>
+            <a:endParaRPr kumimoji="1" lang="ja-JP" altLang="en-US" dirty="0"/>
+          </a:p>
+        </p:txBody>
+      </p:sp>
+      <p:sp>
+        <p:nvSpPr>
+          <p:cNvPr id="30" name="正方形/長方形 29"/>
           <p:cNvSpPr/>
           <p:nvPr/>
         </p:nvSpPr>
         <p:spPr>
           <a:xfrm>
-            <a:off x="6822307" y="1216475"/>
-            <a:ext cx="1004616" cy="789428"/>
+            <a:off x="5328745" y="3942249"/>
+            <a:ext cx="2135467" cy="2712567"/>
           </a:xfrm>
           <a:prstGeom prst="rect">
             <a:avLst/>
@@ -4495,13 +4413,45 @@
           </a:fontRef>
         </p:style>
         <p:txBody>
-          <a:bodyPr rtlCol="0" anchor="ctr"/>
-          <a:lstStyle/>
+          <a:bodyPr rtlCol="0" anchor="t"/>
+          <a:lstStyle/>
+          <a:p>
+            <a:pPr algn="ctr"/>
+            <a:endParaRPr lang="en-US" altLang="ja-JP" dirty="0" smtClean="0"/>
+          </a:p>
+          <a:p>
+            <a:pPr algn="ctr"/>
+            <a:endParaRPr lang="en-US" altLang="ja-JP" dirty="0"/>
+          </a:p>
+          <a:p>
+            <a:pPr algn="ctr"/>
+            <a:r>
+              <a:rPr lang="ja-JP" altLang="en-US" dirty="0" smtClean="0"/>
+              <a:t>夜中ちょうどいいコーデ</a:t>
+            </a:r>
+            <a:endParaRPr lang="en-US" altLang="ja-JP" dirty="0" smtClean="0"/>
+          </a:p>
+          <a:p>
+            <a:pPr algn="ctr"/>
+            <a:endParaRPr kumimoji="1" lang="en-US" altLang="ja-JP" dirty="0"/>
+          </a:p>
+          <a:p>
+            <a:pPr algn="ctr"/>
+            <a:endParaRPr lang="en-US" altLang="ja-JP" dirty="0" smtClean="0"/>
+          </a:p>
+          <a:p>
+            <a:pPr algn="ctr"/>
+            <a:endParaRPr lang="en-US" altLang="ja-JP" dirty="0" smtClean="0"/>
+          </a:p>
           <a:p>
             <a:pPr algn="ctr"/>
             <a:r>
               <a:rPr kumimoji="1" lang="ja-JP" altLang="en-US" dirty="0" smtClean="0"/>
-              <a:t>次へ</a:t>
+              <a:t>いいね</a:t>
+            </a:r>
+            <a:r>
+              <a:rPr lang="ja-JP" altLang="en-US" dirty="0" smtClean="0"/>
+              <a:t>👍</a:t>
             </a:r>
             <a:endParaRPr kumimoji="1" lang="ja-JP" altLang="en-US" dirty="0"/>
           </a:p>
@@ -4509,14 +4459,14 @@
       </p:sp>
       <p:sp>
         <p:nvSpPr>
-          <p:cNvPr id="24" name="正方形/長方形 23"/>
+          <p:cNvPr id="31" name="正方形/長方形 30"/>
           <p:cNvSpPr/>
           <p:nvPr/>
         </p:nvSpPr>
         <p:spPr>
           <a:xfrm>
-            <a:off x="6822307" y="2005903"/>
-            <a:ext cx="1004616" cy="753870"/>
+            <a:off x="3394841" y="3942247"/>
+            <a:ext cx="1745870" cy="2712567"/>
           </a:xfrm>
           <a:prstGeom prst="rect">
             <a:avLst/>
@@ -4544,13 +4494,45 @@
           </a:fontRef>
         </p:style>
         <p:txBody>
-          <a:bodyPr rtlCol="0" anchor="ctr"/>
-          <a:lstStyle/>
+          <a:bodyPr rtlCol="0" anchor="t"/>
+          <a:lstStyle/>
+          <a:p>
+            <a:pPr algn="ctr"/>
+            <a:endParaRPr lang="en-US" altLang="ja-JP" dirty="0" smtClean="0"/>
+          </a:p>
+          <a:p>
+            <a:pPr algn="ctr"/>
+            <a:endParaRPr lang="en-US" altLang="ja-JP" dirty="0"/>
+          </a:p>
+          <a:p>
+            <a:pPr algn="ctr"/>
+            <a:r>
+              <a:rPr lang="ja-JP" altLang="en-US" dirty="0" smtClean="0"/>
+              <a:t>夜中ちょうどいいコーデ</a:t>
+            </a:r>
+            <a:endParaRPr lang="en-US" altLang="ja-JP" dirty="0" smtClean="0"/>
+          </a:p>
+          <a:p>
+            <a:pPr algn="ctr"/>
+            <a:endParaRPr kumimoji="1" lang="en-US" altLang="ja-JP" dirty="0"/>
+          </a:p>
+          <a:p>
+            <a:pPr algn="ctr"/>
+            <a:endParaRPr lang="en-US" altLang="ja-JP" dirty="0" smtClean="0"/>
+          </a:p>
+          <a:p>
+            <a:pPr algn="ctr"/>
+            <a:endParaRPr lang="en-US" altLang="ja-JP" dirty="0" smtClean="0"/>
+          </a:p>
           <a:p>
             <a:pPr algn="ctr"/>
             <a:r>
               <a:rPr kumimoji="1" lang="ja-JP" altLang="en-US" dirty="0" smtClean="0"/>
-              <a:t>前へ</a:t>
+              <a:t>いいね</a:t>
+            </a:r>
+            <a:r>
+              <a:rPr lang="ja-JP" altLang="en-US" dirty="0" smtClean="0"/>
+              <a:t>👍</a:t>
             </a:r>
             <a:endParaRPr kumimoji="1" lang="ja-JP" altLang="en-US" dirty="0"/>
           </a:p>
@@ -4558,13 +4540,94 @@
       </p:sp>
       <p:sp>
         <p:nvSpPr>
-          <p:cNvPr id="28" name="正方形/長方形 27"/>
+          <p:cNvPr id="32" name="正方形/長方形 31"/>
           <p:cNvSpPr/>
           <p:nvPr/>
         </p:nvSpPr>
         <p:spPr>
           <a:xfrm>
-            <a:off x="-1291520" y="3942250"/>
+            <a:off x="7652246" y="3948597"/>
+            <a:ext cx="1709083" cy="2712567"/>
+          </a:xfrm>
+          <a:prstGeom prst="rect">
+            <a:avLst/>
+          </a:prstGeom>
+          <a:ln>
+            <a:solidFill>
+              <a:schemeClr val="tx1"/>
+            </a:solidFill>
+          </a:ln>
+        </p:spPr>
+        <p:style>
+          <a:lnRef idx="2">
+            <a:schemeClr val="accent1">
+              <a:shade val="50000"/>
+            </a:schemeClr>
+          </a:lnRef>
+          <a:fillRef idx="1">
+            <a:schemeClr val="accent1"/>
+          </a:fillRef>
+          <a:effectRef idx="0">
+            <a:schemeClr val="accent1"/>
+          </a:effectRef>
+          <a:fontRef idx="minor">
+            <a:schemeClr val="lt1"/>
+          </a:fontRef>
+        </p:style>
+        <p:txBody>
+          <a:bodyPr rtlCol="0" anchor="t"/>
+          <a:lstStyle/>
+          <a:p>
+            <a:pPr algn="ctr"/>
+            <a:endParaRPr lang="en-US" altLang="ja-JP" dirty="0" smtClean="0"/>
+          </a:p>
+          <a:p>
+            <a:pPr algn="ctr"/>
+            <a:endParaRPr lang="en-US" altLang="ja-JP" dirty="0"/>
+          </a:p>
+          <a:p>
+            <a:pPr algn="ctr"/>
+            <a:r>
+              <a:rPr lang="ja-JP" altLang="en-US" dirty="0" smtClean="0"/>
+              <a:t>夜中ちょうどいいコーデ</a:t>
+            </a:r>
+            <a:endParaRPr lang="en-US" altLang="ja-JP" dirty="0" smtClean="0"/>
+          </a:p>
+          <a:p>
+            <a:pPr algn="ctr"/>
+            <a:endParaRPr kumimoji="1" lang="en-US" altLang="ja-JP" dirty="0"/>
+          </a:p>
+          <a:p>
+            <a:pPr algn="ctr"/>
+            <a:endParaRPr lang="en-US" altLang="ja-JP" dirty="0" smtClean="0"/>
+          </a:p>
+          <a:p>
+            <a:pPr algn="ctr"/>
+            <a:endParaRPr lang="en-US" altLang="ja-JP" dirty="0" smtClean="0"/>
+          </a:p>
+          <a:p>
+            <a:pPr algn="ctr"/>
+            <a:r>
+              <a:rPr kumimoji="1" lang="ja-JP" altLang="en-US" dirty="0" smtClean="0"/>
+              <a:t>いいね</a:t>
+            </a:r>
+            <a:r>
+              <a:rPr lang="ja-JP" altLang="en-US" dirty="0" smtClean="0"/>
+              <a:t>👍</a:t>
+            </a:r>
+            <a:endParaRPr kumimoji="1" lang="ja-JP" altLang="en-US" dirty="0"/>
+          </a:p>
+        </p:txBody>
+      </p:sp>
+      <p:sp>
+        <p:nvSpPr>
+          <p:cNvPr id="33" name="正方形/長方形 32"/>
+          <p:cNvSpPr/>
+          <p:nvPr/>
+        </p:nvSpPr>
+        <p:spPr>
+          <a:xfrm>
+            <a:off x="988594" y="3942249"/>
             <a:ext cx="2176518" cy="2689775"/>
           </a:xfrm>
           <a:prstGeom prst="rect">
@@ -4607,7 +4670,7 @@
             <a:pPr algn="ctr"/>
             <a:r>
               <a:rPr lang="ja-JP" altLang="en-US" dirty="0" smtClean="0"/>
-              <a:t>日中ちょうどいいコーデ</a:t>
+              <a:t>朝ちょうどいいコーデ</a:t>
             </a:r>
             <a:endParaRPr lang="en-US" altLang="ja-JP" dirty="0" smtClean="0"/>
           </a:p>
@@ -4639,14 +4702,14 @@
       </p:sp>
       <p:sp>
         <p:nvSpPr>
-          <p:cNvPr id="29" name="正方形/長方形 28"/>
+          <p:cNvPr id="34" name="正方形/長方形 33"/>
           <p:cNvSpPr/>
           <p:nvPr/>
         </p:nvSpPr>
         <p:spPr>
           <a:xfrm>
-            <a:off x="3355482" y="3948600"/>
-            <a:ext cx="2176518" cy="2689775"/>
+            <a:off x="-757277" y="3942247"/>
+            <a:ext cx="1598887" cy="2689775"/>
           </a:xfrm>
           <a:prstGeom prst="rect">
             <a:avLst/>
@@ -4688,7 +4751,7 @@
             <a:pPr algn="ctr"/>
             <a:r>
               <a:rPr lang="ja-JP" altLang="en-US" dirty="0" smtClean="0"/>
-              <a:t>日中ちょうどいいコーデ</a:t>
+              <a:t>朝ちょうどいいコーデ</a:t>
             </a:r>
             <a:endParaRPr lang="en-US" altLang="ja-JP" dirty="0" smtClean="0"/>
           </a:p>
@@ -4715,6 +4778,271 @@
               <a:t>👍</a:t>
             </a:r>
             <a:endParaRPr kumimoji="1" lang="ja-JP" altLang="en-US" dirty="0"/>
+          </a:p>
+        </p:txBody>
+      </p:sp>
+      <p:sp>
+        <p:nvSpPr>
+          <p:cNvPr id="35" name="正方形/長方形 34"/>
+          <p:cNvSpPr/>
+          <p:nvPr/>
+        </p:nvSpPr>
+        <p:spPr>
+          <a:xfrm>
+            <a:off x="3312095" y="3948597"/>
+            <a:ext cx="1897117" cy="2689775"/>
+          </a:xfrm>
+          <a:prstGeom prst="rect">
+            <a:avLst/>
+          </a:prstGeom>
+          <a:ln>
+            <a:solidFill>
+              <a:schemeClr val="tx1"/>
+            </a:solidFill>
+          </a:ln>
+        </p:spPr>
+        <p:style>
+          <a:lnRef idx="2">
+            <a:schemeClr val="accent1">
+              <a:shade val="50000"/>
+            </a:schemeClr>
+          </a:lnRef>
+          <a:fillRef idx="1">
+            <a:schemeClr val="accent1"/>
+          </a:fillRef>
+          <a:effectRef idx="0">
+            <a:schemeClr val="accent1"/>
+          </a:effectRef>
+          <a:fontRef idx="minor">
+            <a:schemeClr val="lt1"/>
+          </a:fontRef>
+        </p:style>
+        <p:txBody>
+          <a:bodyPr rtlCol="0" anchor="t"/>
+          <a:lstStyle/>
+          <a:p>
+            <a:pPr algn="ctr"/>
+            <a:endParaRPr lang="en-US" altLang="ja-JP" dirty="0" smtClean="0"/>
+          </a:p>
+          <a:p>
+            <a:pPr algn="ctr"/>
+            <a:endParaRPr lang="en-US" altLang="ja-JP" dirty="0"/>
+          </a:p>
+          <a:p>
+            <a:pPr algn="ctr"/>
+            <a:r>
+              <a:rPr lang="ja-JP" altLang="en-US" dirty="0" smtClean="0"/>
+              <a:t>朝ちょうどいいコーデ</a:t>
+            </a:r>
+            <a:endParaRPr lang="en-US" altLang="ja-JP" dirty="0" smtClean="0"/>
+          </a:p>
+          <a:p>
+            <a:pPr algn="ctr"/>
+            <a:endParaRPr kumimoji="1" lang="en-US" altLang="ja-JP" dirty="0"/>
+          </a:p>
+          <a:p>
+            <a:pPr algn="ctr"/>
+            <a:endParaRPr lang="en-US" altLang="ja-JP" dirty="0" smtClean="0"/>
+          </a:p>
+          <a:p>
+            <a:pPr algn="ctr"/>
+            <a:endParaRPr lang="en-US" altLang="ja-JP" dirty="0" smtClean="0"/>
+          </a:p>
+          <a:p>
+            <a:pPr algn="ctr"/>
+            <a:r>
+              <a:rPr kumimoji="1" lang="ja-JP" altLang="en-US" dirty="0" smtClean="0"/>
+              <a:t>いいね</a:t>
+            </a:r>
+            <a:r>
+              <a:rPr lang="ja-JP" altLang="en-US" dirty="0" smtClean="0"/>
+              <a:t>👍</a:t>
+            </a:r>
+            <a:endParaRPr kumimoji="1" lang="ja-JP" altLang="en-US" dirty="0"/>
+          </a:p>
+        </p:txBody>
+      </p:sp>
+      <p:sp>
+        <p:nvSpPr>
+          <p:cNvPr id="9" name="角丸四角形 8"/>
+          <p:cNvSpPr/>
+          <p:nvPr/>
+        </p:nvSpPr>
+        <p:spPr>
+          <a:xfrm>
+            <a:off x="8559800" y="3052140"/>
+            <a:ext cx="3289738" cy="756745"/>
+          </a:xfrm>
+          <a:prstGeom prst="roundRect">
+            <a:avLst/>
+          </a:prstGeom>
+          <a:solidFill>
+            <a:schemeClr val="bg1"/>
+          </a:solidFill>
+        </p:spPr>
+        <p:style>
+          <a:lnRef idx="2">
+            <a:schemeClr val="accent1">
+              <a:shade val="50000"/>
+            </a:schemeClr>
+          </a:lnRef>
+          <a:fillRef idx="1">
+            <a:schemeClr val="accent1"/>
+          </a:fillRef>
+          <a:effectRef idx="0">
+            <a:schemeClr val="accent1"/>
+          </a:effectRef>
+          <a:fontRef idx="minor">
+            <a:schemeClr val="lt1"/>
+          </a:fontRef>
+        </p:style>
+        <p:txBody>
+          <a:bodyPr rtlCol="0" anchor="ctr"/>
+          <a:lstStyle/>
+          <a:p>
+            <a:r>
+              <a:rPr lang="ja-JP" altLang="en-US" sz="1400" dirty="0" smtClean="0">
+                <a:ln>
+                  <a:solidFill>
+                    <a:sysClr val="windowText" lastClr="000000"/>
+                  </a:solidFill>
+                </a:ln>
+              </a:rPr>
+              <a:t>日中になっても気温はあまり上がりません。夜にはさらに冷え込みます。</a:t>
+            </a:r>
+            <a:endParaRPr lang="en-US" altLang="ja-JP" sz="1400" dirty="0" smtClean="0">
+              <a:ln>
+                <a:solidFill>
+                  <a:sysClr val="windowText" lastClr="000000"/>
+                </a:solidFill>
+              </a:ln>
+            </a:endParaRPr>
+          </a:p>
+          <a:p>
+            <a:r>
+              <a:rPr kumimoji="1" lang="ja-JP" altLang="en-US" sz="1400" dirty="0" smtClean="0">
+                <a:ln>
+                  <a:solidFill>
+                    <a:sysClr val="windowText" lastClr="000000"/>
+                  </a:solidFill>
+                </a:ln>
+              </a:rPr>
+              <a:t>雨は</a:t>
+            </a:r>
+            <a:r>
+              <a:rPr lang="en-US" altLang="ja-JP" sz="1400" dirty="0" smtClean="0">
+                <a:ln>
+                  <a:solidFill>
+                    <a:sysClr val="windowText" lastClr="000000"/>
+                  </a:solidFill>
+                </a:ln>
+              </a:rPr>
+              <a:t>13</a:t>
+            </a:r>
+            <a:r>
+              <a:rPr lang="ja-JP" altLang="en-US" sz="1400" dirty="0" smtClean="0">
+                <a:ln>
+                  <a:solidFill>
+                    <a:sysClr val="windowText" lastClr="000000"/>
+                  </a:solidFill>
+                </a:ln>
+              </a:rPr>
+              <a:t>時ごろから明日まで降ります。</a:t>
+            </a:r>
+            <a:endParaRPr kumimoji="1" lang="en-US" altLang="ja-JP" sz="1400" dirty="0" smtClean="0">
+              <a:ln>
+                <a:solidFill>
+                  <a:sysClr val="windowText" lastClr="000000"/>
+                </a:solidFill>
+              </a:ln>
+            </a:endParaRPr>
+          </a:p>
+        </p:txBody>
+      </p:sp>
+      <p:sp>
+        <p:nvSpPr>
+          <p:cNvPr id="8" name="角丸四角形 7"/>
+          <p:cNvSpPr/>
+          <p:nvPr/>
+        </p:nvSpPr>
+        <p:spPr>
+          <a:xfrm>
+            <a:off x="8559800" y="3942249"/>
+            <a:ext cx="3289738" cy="756745"/>
+          </a:xfrm>
+          <a:prstGeom prst="roundRect">
+            <a:avLst/>
+          </a:prstGeom>
+          <a:solidFill>
+            <a:schemeClr val="bg1"/>
+          </a:solidFill>
+        </p:spPr>
+        <p:style>
+          <a:lnRef idx="2">
+            <a:schemeClr val="accent1">
+              <a:shade val="50000"/>
+            </a:schemeClr>
+          </a:lnRef>
+          <a:fillRef idx="1">
+            <a:schemeClr val="accent1"/>
+          </a:fillRef>
+          <a:effectRef idx="0">
+            <a:schemeClr val="accent1"/>
+          </a:effectRef>
+          <a:fontRef idx="minor">
+            <a:schemeClr val="lt1"/>
+          </a:fontRef>
+        </p:style>
+        <p:txBody>
+          <a:bodyPr rtlCol="0" anchor="ctr"/>
+          <a:lstStyle/>
+          <a:p>
+            <a:r>
+              <a:rPr lang="ja-JP" altLang="en-US" sz="1400" dirty="0" smtClean="0">
+                <a:ln>
+                  <a:solidFill>
+                    <a:sysClr val="windowText" lastClr="000000"/>
+                  </a:solidFill>
+                </a:ln>
+              </a:rPr>
+              <a:t>朝は寒いですが日中は暑くなります。夜には再び冷え込みます。</a:t>
+            </a:r>
+            <a:endParaRPr lang="en-US" altLang="ja-JP" sz="1400" dirty="0" smtClean="0">
+              <a:ln>
+                <a:solidFill>
+                  <a:sysClr val="windowText" lastClr="000000"/>
+                </a:solidFill>
+              </a:ln>
+            </a:endParaRPr>
+          </a:p>
+          <a:p>
+            <a:r>
+              <a:rPr kumimoji="1" lang="ja-JP" altLang="en-US" sz="1400" dirty="0" smtClean="0">
+                <a:ln>
+                  <a:solidFill>
+                    <a:sysClr val="windowText" lastClr="000000"/>
+                  </a:solidFill>
+                </a:ln>
+              </a:rPr>
+              <a:t>雨は</a:t>
+            </a:r>
+            <a:r>
+              <a:rPr lang="ja-JP" altLang="en-US" sz="1400" dirty="0" smtClean="0">
+                <a:ln>
+                  <a:solidFill>
+                    <a:sysClr val="windowText" lastClr="000000"/>
+                  </a:solidFill>
+                </a:ln>
+              </a:rPr>
+              <a:t>降りません。</a:t>
+            </a:r>
+            <a:endParaRPr kumimoji="1" lang="en-US" altLang="ja-JP" sz="1400" dirty="0" smtClean="0">
+              <a:ln>
+                <a:solidFill>
+                  <a:sysClr val="windowText" lastClr="000000"/>
+                </a:solidFill>
+              </a:ln>
+            </a:endParaRPr>
           </a:p>
         </p:txBody>
       </p:sp>

--- a/関連資料/構図.pptx
+++ b/関連資料/構図.pptx
@@ -105,6 +105,11 @@
       </a:defRPr>
     </a:lvl9pPr>
   </p:defaultTextStyle>
+  <p:extLst>
+    <p:ext uri="{EFAFB233-063F-42B5-8137-9DF3F51BA10A}">
+      <p15:sldGuideLst xmlns:p15="http://schemas.microsoft.com/office/powerpoint/2012/main"/>
+    </p:ext>
+  </p:extLst>
 </p:presentation>
 </file>
 
@@ -239,7 +244,7 @@
           <a:p>
             <a:fld id="{94E44DA8-9CD3-CB4F-8EC0-6AFE2D1462B5}" type="datetimeFigureOut">
               <a:rPr kumimoji="1" lang="ja-JP" altLang="en-US" smtClean="0"/>
-              <a:t>2017/10/21</a:t>
+              <a:t>2017/10/22</a:t>
             </a:fld>
             <a:endParaRPr kumimoji="1" lang="ja-JP" altLang="en-US"/>
           </a:p>
@@ -441,7 +446,7 @@
           <a:p>
             <a:fld id="{94E44DA8-9CD3-CB4F-8EC0-6AFE2D1462B5}" type="datetimeFigureOut">
               <a:rPr kumimoji="1" lang="ja-JP" altLang="en-US" smtClean="0"/>
-              <a:t>2017/10/21</a:t>
+              <a:t>2017/10/22</a:t>
             </a:fld>
             <a:endParaRPr kumimoji="1" lang="ja-JP" altLang="en-US"/>
           </a:p>
@@ -653,7 +658,7 @@
           <a:p>
             <a:fld id="{94E44DA8-9CD3-CB4F-8EC0-6AFE2D1462B5}" type="datetimeFigureOut">
               <a:rPr kumimoji="1" lang="ja-JP" altLang="en-US" smtClean="0"/>
-              <a:t>2017/10/21</a:t>
+              <a:t>2017/10/22</a:t>
             </a:fld>
             <a:endParaRPr kumimoji="1" lang="ja-JP" altLang="en-US"/>
           </a:p>
@@ -855,7 +860,7 @@
           <a:p>
             <a:fld id="{94E44DA8-9CD3-CB4F-8EC0-6AFE2D1462B5}" type="datetimeFigureOut">
               <a:rPr kumimoji="1" lang="ja-JP" altLang="en-US" smtClean="0"/>
-              <a:t>2017/10/21</a:t>
+              <a:t>2017/10/22</a:t>
             </a:fld>
             <a:endParaRPr kumimoji="1" lang="ja-JP" altLang="en-US"/>
           </a:p>
@@ -1101,7 +1106,7 @@
           <a:p>
             <a:fld id="{94E44DA8-9CD3-CB4F-8EC0-6AFE2D1462B5}" type="datetimeFigureOut">
               <a:rPr kumimoji="1" lang="ja-JP" altLang="en-US" smtClean="0"/>
-              <a:t>2017/10/21</a:t>
+              <a:t>2017/10/22</a:t>
             </a:fld>
             <a:endParaRPr kumimoji="1" lang="ja-JP" altLang="en-US"/>
           </a:p>
@@ -1397,7 +1402,7 @@
           <a:p>
             <a:fld id="{94E44DA8-9CD3-CB4F-8EC0-6AFE2D1462B5}" type="datetimeFigureOut">
               <a:rPr kumimoji="1" lang="ja-JP" altLang="en-US" smtClean="0"/>
-              <a:t>2017/10/21</a:t>
+              <a:t>2017/10/22</a:t>
             </a:fld>
             <a:endParaRPr kumimoji="1" lang="ja-JP" altLang="en-US"/>
           </a:p>
@@ -1828,7 +1833,7 @@
           <a:p>
             <a:fld id="{94E44DA8-9CD3-CB4F-8EC0-6AFE2D1462B5}" type="datetimeFigureOut">
               <a:rPr kumimoji="1" lang="ja-JP" altLang="en-US" smtClean="0"/>
-              <a:t>2017/10/21</a:t>
+              <a:t>2017/10/22</a:t>
             </a:fld>
             <a:endParaRPr kumimoji="1" lang="ja-JP" altLang="en-US"/>
           </a:p>
@@ -1946,7 +1951,7 @@
           <a:p>
             <a:fld id="{94E44DA8-9CD3-CB4F-8EC0-6AFE2D1462B5}" type="datetimeFigureOut">
               <a:rPr kumimoji="1" lang="ja-JP" altLang="en-US" smtClean="0"/>
-              <a:t>2017/10/21</a:t>
+              <a:t>2017/10/22</a:t>
             </a:fld>
             <a:endParaRPr kumimoji="1" lang="ja-JP" altLang="en-US"/>
           </a:p>
@@ -2041,7 +2046,7 @@
           <a:p>
             <a:fld id="{94E44DA8-9CD3-CB4F-8EC0-6AFE2D1462B5}" type="datetimeFigureOut">
               <a:rPr kumimoji="1" lang="ja-JP" altLang="en-US" smtClean="0"/>
-              <a:t>2017/10/21</a:t>
+              <a:t>2017/10/22</a:t>
             </a:fld>
             <a:endParaRPr kumimoji="1" lang="ja-JP" altLang="en-US"/>
           </a:p>
@@ -2350,7 +2355,7 @@
           <a:p>
             <a:fld id="{94E44DA8-9CD3-CB4F-8EC0-6AFE2D1462B5}" type="datetimeFigureOut">
               <a:rPr kumimoji="1" lang="ja-JP" altLang="en-US" smtClean="0"/>
-              <a:t>2017/10/21</a:t>
+              <a:t>2017/10/22</a:t>
             </a:fld>
             <a:endParaRPr kumimoji="1" lang="ja-JP" altLang="en-US"/>
           </a:p>
@@ -2603,7 +2608,7 @@
           <a:p>
             <a:fld id="{94E44DA8-9CD3-CB4F-8EC0-6AFE2D1462B5}" type="datetimeFigureOut">
               <a:rPr kumimoji="1" lang="ja-JP" altLang="en-US" smtClean="0"/>
-              <a:t>2017/10/21</a:t>
+              <a:t>2017/10/22</a:t>
             </a:fld>
             <a:endParaRPr kumimoji="1" lang="ja-JP" altLang="en-US"/>
           </a:p>
@@ -2848,7 +2853,7 @@
           <a:p>
             <a:fld id="{94E44DA8-9CD3-CB4F-8EC0-6AFE2D1462B5}" type="datetimeFigureOut">
               <a:rPr kumimoji="1" lang="ja-JP" altLang="en-US" smtClean="0"/>
-              <a:t>2017/10/21</a:t>
+              <a:t>2017/10/22</a:t>
             </a:fld>
             <a:endParaRPr kumimoji="1" lang="ja-JP" altLang="en-US"/>
           </a:p>
@@ -3844,13 +3849,53 @@
       </p:grpSpPr>
       <p:sp>
         <p:nvSpPr>
-          <p:cNvPr id="16" name="正方形/長方形 15"/>
+          <p:cNvPr id="4" name="正方形/長方形 3"/>
           <p:cNvSpPr/>
           <p:nvPr/>
         </p:nvSpPr>
         <p:spPr>
           <a:xfrm>
-            <a:off x="4283565" y="152400"/>
+            <a:off x="1828362" y="152399"/>
+            <a:ext cx="3835400" cy="6595241"/>
+          </a:xfrm>
+          <a:prstGeom prst="rect">
+            <a:avLst/>
+          </a:prstGeom>
+        </p:spPr>
+        <p:style>
+          <a:lnRef idx="2">
+            <a:schemeClr val="accent1">
+              <a:shade val="50000"/>
+            </a:schemeClr>
+          </a:lnRef>
+          <a:fillRef idx="1">
+            <a:schemeClr val="accent1"/>
+          </a:fillRef>
+          <a:effectRef idx="0">
+            <a:schemeClr val="accent1"/>
+          </a:effectRef>
+          <a:fontRef idx="minor">
+            <a:schemeClr val="lt1"/>
+          </a:fontRef>
+        </p:style>
+        <p:txBody>
+          <a:bodyPr rtlCol="0" anchor="ctr"/>
+          <a:lstStyle/>
+          <a:p>
+            <a:pPr algn="ctr"/>
+            <a:endParaRPr kumimoji="1" lang="ja-JP" altLang="en-US"/>
+          </a:p>
+        </p:txBody>
+      </p:sp>
+      <p:sp>
+        <p:nvSpPr>
+          <p:cNvPr id="6" name="正方形/長方形 5"/>
+          <p:cNvSpPr/>
+          <p:nvPr/>
+        </p:nvSpPr>
+        <p:spPr>
+          <a:xfrm>
+            <a:off x="8265948" y="-215900"/>
             <a:ext cx="3835400" cy="6375400"/>
           </a:xfrm>
           <a:prstGeom prst="rect">
@@ -3884,86 +3929,6 @@
       </p:sp>
       <p:sp>
         <p:nvSpPr>
-          <p:cNvPr id="4" name="正方形/長方形 3"/>
-          <p:cNvSpPr/>
-          <p:nvPr/>
-        </p:nvSpPr>
-        <p:spPr>
-          <a:xfrm>
-            <a:off x="199258" y="152399"/>
-            <a:ext cx="3835400" cy="6595241"/>
-          </a:xfrm>
-          <a:prstGeom prst="rect">
-            <a:avLst/>
-          </a:prstGeom>
-        </p:spPr>
-        <p:style>
-          <a:lnRef idx="2">
-            <a:schemeClr val="accent1">
-              <a:shade val="50000"/>
-            </a:schemeClr>
-          </a:lnRef>
-          <a:fillRef idx="1">
-            <a:schemeClr val="accent1"/>
-          </a:fillRef>
-          <a:effectRef idx="0">
-            <a:schemeClr val="accent1"/>
-          </a:effectRef>
-          <a:fontRef idx="minor">
-            <a:schemeClr val="lt1"/>
-          </a:fontRef>
-        </p:style>
-        <p:txBody>
-          <a:bodyPr rtlCol="0" anchor="ctr"/>
-          <a:lstStyle/>
-          <a:p>
-            <a:pPr algn="ctr"/>
-            <a:endParaRPr kumimoji="1" lang="ja-JP" altLang="en-US"/>
-          </a:p>
-        </p:txBody>
-      </p:sp>
-      <p:sp>
-        <p:nvSpPr>
-          <p:cNvPr id="6" name="正方形/長方形 5"/>
-          <p:cNvSpPr/>
-          <p:nvPr/>
-        </p:nvSpPr>
-        <p:spPr>
-          <a:xfrm>
-            <a:off x="8265948" y="152400"/>
-            <a:ext cx="3835400" cy="6375400"/>
-          </a:xfrm>
-          <a:prstGeom prst="rect">
-            <a:avLst/>
-          </a:prstGeom>
-        </p:spPr>
-        <p:style>
-          <a:lnRef idx="2">
-            <a:schemeClr val="accent1">
-              <a:shade val="50000"/>
-            </a:schemeClr>
-          </a:lnRef>
-          <a:fillRef idx="1">
-            <a:schemeClr val="accent1"/>
-          </a:fillRef>
-          <a:effectRef idx="0">
-            <a:schemeClr val="accent1"/>
-          </a:effectRef>
-          <a:fontRef idx="minor">
-            <a:schemeClr val="lt1"/>
-          </a:fontRef>
-        </p:style>
-        <p:txBody>
-          <a:bodyPr rtlCol="0" anchor="ctr"/>
-          <a:lstStyle/>
-          <a:p>
-            <a:pPr algn="ctr"/>
-            <a:endParaRPr kumimoji="1" lang="ja-JP" altLang="en-US"/>
-          </a:p>
-        </p:txBody>
-      </p:sp>
-      <p:sp>
-        <p:nvSpPr>
           <p:cNvPr id="7" name="テキスト ボックス 6"/>
           <p:cNvSpPr txBox="1"/>
           <p:nvPr/>
@@ -4000,7 +3965,7 @@
         </p:nvSpPr>
         <p:spPr>
           <a:xfrm>
-            <a:off x="199258" y="152400"/>
+            <a:off x="1828362" y="152400"/>
             <a:ext cx="3835400" cy="762000"/>
           </a:xfrm>
           <a:prstGeom prst="rect">
@@ -4047,7 +4012,7 @@
         </p:nvSpPr>
         <p:spPr>
           <a:xfrm>
-            <a:off x="524640" y="1135554"/>
+            <a:off x="2218605" y="1138727"/>
             <a:ext cx="3184635" cy="2585545"/>
           </a:xfrm>
           <a:prstGeom prst="rect">
@@ -4080,56 +4045,19 @@
           <a:lstStyle/>
           <a:p>
             <a:pPr algn="ctr"/>
-            <a:endParaRPr kumimoji="1" lang="en-US" altLang="ja-JP" dirty="0" smtClean="0"/>
+            <a:endParaRPr kumimoji="1" lang="en-US" altLang="ja-JP" sz="3200" dirty="0" smtClean="0"/>
           </a:p>
           <a:p>
             <a:pPr algn="ctr"/>
-            <a:endParaRPr kumimoji="1" lang="en-US" altLang="ja-JP" dirty="0" smtClean="0"/>
+            <a:endParaRPr lang="en-US" altLang="ja-JP" sz="3200" dirty="0"/>
           </a:p>
           <a:p>
             <a:pPr algn="ctr"/>
             <a:r>
-              <a:rPr kumimoji="1" lang="ja-JP" altLang="en-US" dirty="0" smtClean="0"/>
-              <a:t>温度のグラフ</a:t>
-            </a:r>
-            <a:endParaRPr kumimoji="1" lang="en-US" altLang="ja-JP" dirty="0" smtClean="0"/>
-          </a:p>
-          <a:p>
-            <a:r>
-              <a:rPr lang="ja-JP" altLang="en-US" dirty="0" smtClean="0"/>
-              <a:t>横軸は設定された時間から</a:t>
-            </a:r>
-            <a:endParaRPr lang="en-US" altLang="ja-JP" dirty="0" smtClean="0"/>
-          </a:p>
-          <a:p>
-            <a:r>
-              <a:rPr lang="en-US" altLang="ja-JP" dirty="0" smtClean="0"/>
-              <a:t>18</a:t>
-            </a:r>
-            <a:r>
-              <a:rPr lang="ja-JP" altLang="en-US" dirty="0" smtClean="0"/>
-              <a:t>時間</a:t>
-            </a:r>
-            <a:endParaRPr lang="en-US" altLang="ja-JP" dirty="0"/>
-          </a:p>
-          <a:p>
-            <a:endParaRPr lang="en-US" altLang="ja-JP" dirty="0"/>
-          </a:p>
-          <a:p>
-            <a:pPr algn="ctr"/>
-            <a:endParaRPr kumimoji="1" lang="en-US" altLang="ja-JP" dirty="0" smtClean="0"/>
-          </a:p>
-          <a:p>
-            <a:pPr algn="ctr"/>
-            <a:endParaRPr kumimoji="1" lang="en-US" altLang="ja-JP" dirty="0" smtClean="0"/>
-          </a:p>
-          <a:p>
-            <a:pPr algn="ctr"/>
-            <a:r>
-              <a:rPr lang="ja-JP" altLang="en-US" dirty="0" smtClean="0"/>
-              <a:t>天気の移行</a:t>
-            </a:r>
-            <a:endParaRPr lang="en-US" altLang="ja-JP" dirty="0" smtClean="0"/>
+              <a:rPr kumimoji="1" lang="ja-JP" altLang="en-US" sz="3200" dirty="0" smtClean="0"/>
+              <a:t>あすかイラスト</a:t>
+            </a:r>
+            <a:endParaRPr kumimoji="1" lang="en-US" altLang="ja-JP" sz="3200" dirty="0" smtClean="0"/>
           </a:p>
         </p:txBody>
       </p:sp>
@@ -4141,7 +4069,7 @@
         </p:nvSpPr>
         <p:spPr>
           <a:xfrm>
-            <a:off x="5140711" y="762205"/>
+            <a:off x="2662401" y="3942251"/>
             <a:ext cx="2176518" cy="2689775"/>
           </a:xfrm>
           <a:prstGeom prst="rect">
@@ -4222,8 +4150,8 @@
         </p:nvSpPr>
         <p:spPr>
           <a:xfrm>
-            <a:off x="3394840" y="762203"/>
-            <a:ext cx="1598887" cy="2689775"/>
+            <a:off x="759544" y="3942249"/>
+            <a:ext cx="1755873" cy="2689775"/>
           </a:xfrm>
           <a:prstGeom prst="rect">
             <a:avLst/>
@@ -4303,7 +4231,7 @@
         </p:nvSpPr>
         <p:spPr>
           <a:xfrm>
-            <a:off x="7464212" y="768553"/>
+            <a:off x="4985902" y="3948599"/>
             <a:ext cx="1897117" cy="2689775"/>
           </a:xfrm>
           <a:prstGeom prst="rect">
@@ -4378,500 +4306,14 @@
       </p:sp>
       <p:sp>
         <p:nvSpPr>
-          <p:cNvPr id="30" name="正方形/長方形 29"/>
-          <p:cNvSpPr/>
-          <p:nvPr/>
-        </p:nvSpPr>
-        <p:spPr>
-          <a:xfrm>
-            <a:off x="5328745" y="3942249"/>
-            <a:ext cx="2135467" cy="2712567"/>
-          </a:xfrm>
-          <a:prstGeom prst="rect">
-            <a:avLst/>
-          </a:prstGeom>
-          <a:ln>
-            <a:solidFill>
-              <a:schemeClr val="tx1"/>
-            </a:solidFill>
-          </a:ln>
-        </p:spPr>
-        <p:style>
-          <a:lnRef idx="2">
-            <a:schemeClr val="accent1">
-              <a:shade val="50000"/>
-            </a:schemeClr>
-          </a:lnRef>
-          <a:fillRef idx="1">
-            <a:schemeClr val="accent1"/>
-          </a:fillRef>
-          <a:effectRef idx="0">
-            <a:schemeClr val="accent1"/>
-          </a:effectRef>
-          <a:fontRef idx="minor">
-            <a:schemeClr val="lt1"/>
-          </a:fontRef>
-        </p:style>
-        <p:txBody>
-          <a:bodyPr rtlCol="0" anchor="t"/>
-          <a:lstStyle/>
-          <a:p>
-            <a:pPr algn="ctr"/>
-            <a:endParaRPr lang="en-US" altLang="ja-JP" dirty="0" smtClean="0"/>
-          </a:p>
-          <a:p>
-            <a:pPr algn="ctr"/>
-            <a:endParaRPr lang="en-US" altLang="ja-JP" dirty="0"/>
-          </a:p>
-          <a:p>
-            <a:pPr algn="ctr"/>
-            <a:r>
-              <a:rPr lang="ja-JP" altLang="en-US" dirty="0" smtClean="0"/>
-              <a:t>夜中ちょうどいいコーデ</a:t>
-            </a:r>
-            <a:endParaRPr lang="en-US" altLang="ja-JP" dirty="0" smtClean="0"/>
-          </a:p>
-          <a:p>
-            <a:pPr algn="ctr"/>
-            <a:endParaRPr kumimoji="1" lang="en-US" altLang="ja-JP" dirty="0"/>
-          </a:p>
-          <a:p>
-            <a:pPr algn="ctr"/>
-            <a:endParaRPr lang="en-US" altLang="ja-JP" dirty="0" smtClean="0"/>
-          </a:p>
-          <a:p>
-            <a:pPr algn="ctr"/>
-            <a:endParaRPr lang="en-US" altLang="ja-JP" dirty="0" smtClean="0"/>
-          </a:p>
-          <a:p>
-            <a:pPr algn="ctr"/>
-            <a:r>
-              <a:rPr kumimoji="1" lang="ja-JP" altLang="en-US" dirty="0" smtClean="0"/>
-              <a:t>いいね</a:t>
-            </a:r>
-            <a:r>
-              <a:rPr lang="ja-JP" altLang="en-US" dirty="0" smtClean="0"/>
-              <a:t>👍</a:t>
-            </a:r>
-            <a:endParaRPr kumimoji="1" lang="ja-JP" altLang="en-US" dirty="0"/>
-          </a:p>
-        </p:txBody>
-      </p:sp>
-      <p:sp>
-        <p:nvSpPr>
-          <p:cNvPr id="31" name="正方形/長方形 30"/>
-          <p:cNvSpPr/>
-          <p:nvPr/>
-        </p:nvSpPr>
-        <p:spPr>
-          <a:xfrm>
-            <a:off x="3394841" y="3942247"/>
-            <a:ext cx="1745870" cy="2712567"/>
-          </a:xfrm>
-          <a:prstGeom prst="rect">
-            <a:avLst/>
-          </a:prstGeom>
-          <a:ln>
-            <a:solidFill>
-              <a:schemeClr val="tx1"/>
-            </a:solidFill>
-          </a:ln>
-        </p:spPr>
-        <p:style>
-          <a:lnRef idx="2">
-            <a:schemeClr val="accent1">
-              <a:shade val="50000"/>
-            </a:schemeClr>
-          </a:lnRef>
-          <a:fillRef idx="1">
-            <a:schemeClr val="accent1"/>
-          </a:fillRef>
-          <a:effectRef idx="0">
-            <a:schemeClr val="accent1"/>
-          </a:effectRef>
-          <a:fontRef idx="minor">
-            <a:schemeClr val="lt1"/>
-          </a:fontRef>
-        </p:style>
-        <p:txBody>
-          <a:bodyPr rtlCol="0" anchor="t"/>
-          <a:lstStyle/>
-          <a:p>
-            <a:pPr algn="ctr"/>
-            <a:endParaRPr lang="en-US" altLang="ja-JP" dirty="0" smtClean="0"/>
-          </a:p>
-          <a:p>
-            <a:pPr algn="ctr"/>
-            <a:endParaRPr lang="en-US" altLang="ja-JP" dirty="0"/>
-          </a:p>
-          <a:p>
-            <a:pPr algn="ctr"/>
-            <a:r>
-              <a:rPr lang="ja-JP" altLang="en-US" dirty="0" smtClean="0"/>
-              <a:t>夜中ちょうどいいコーデ</a:t>
-            </a:r>
-            <a:endParaRPr lang="en-US" altLang="ja-JP" dirty="0" smtClean="0"/>
-          </a:p>
-          <a:p>
-            <a:pPr algn="ctr"/>
-            <a:endParaRPr kumimoji="1" lang="en-US" altLang="ja-JP" dirty="0"/>
-          </a:p>
-          <a:p>
-            <a:pPr algn="ctr"/>
-            <a:endParaRPr lang="en-US" altLang="ja-JP" dirty="0" smtClean="0"/>
-          </a:p>
-          <a:p>
-            <a:pPr algn="ctr"/>
-            <a:endParaRPr lang="en-US" altLang="ja-JP" dirty="0" smtClean="0"/>
-          </a:p>
-          <a:p>
-            <a:pPr algn="ctr"/>
-            <a:r>
-              <a:rPr kumimoji="1" lang="ja-JP" altLang="en-US" dirty="0" smtClean="0"/>
-              <a:t>いいね</a:t>
-            </a:r>
-            <a:r>
-              <a:rPr lang="ja-JP" altLang="en-US" dirty="0" smtClean="0"/>
-              <a:t>👍</a:t>
-            </a:r>
-            <a:endParaRPr kumimoji="1" lang="ja-JP" altLang="en-US" dirty="0"/>
-          </a:p>
-        </p:txBody>
-      </p:sp>
-      <p:sp>
-        <p:nvSpPr>
-          <p:cNvPr id="32" name="正方形/長方形 31"/>
-          <p:cNvSpPr/>
-          <p:nvPr/>
-        </p:nvSpPr>
-        <p:spPr>
-          <a:xfrm>
-            <a:off x="7652246" y="3948597"/>
-            <a:ext cx="1709083" cy="2712567"/>
-          </a:xfrm>
-          <a:prstGeom prst="rect">
-            <a:avLst/>
-          </a:prstGeom>
-          <a:ln>
-            <a:solidFill>
-              <a:schemeClr val="tx1"/>
-            </a:solidFill>
-          </a:ln>
-        </p:spPr>
-        <p:style>
-          <a:lnRef idx="2">
-            <a:schemeClr val="accent1">
-              <a:shade val="50000"/>
-            </a:schemeClr>
-          </a:lnRef>
-          <a:fillRef idx="1">
-            <a:schemeClr val="accent1"/>
-          </a:fillRef>
-          <a:effectRef idx="0">
-            <a:schemeClr val="accent1"/>
-          </a:effectRef>
-          <a:fontRef idx="minor">
-            <a:schemeClr val="lt1"/>
-          </a:fontRef>
-        </p:style>
-        <p:txBody>
-          <a:bodyPr rtlCol="0" anchor="t"/>
-          <a:lstStyle/>
-          <a:p>
-            <a:pPr algn="ctr"/>
-            <a:endParaRPr lang="en-US" altLang="ja-JP" dirty="0" smtClean="0"/>
-          </a:p>
-          <a:p>
-            <a:pPr algn="ctr"/>
-            <a:endParaRPr lang="en-US" altLang="ja-JP" dirty="0"/>
-          </a:p>
-          <a:p>
-            <a:pPr algn="ctr"/>
-            <a:r>
-              <a:rPr lang="ja-JP" altLang="en-US" dirty="0" smtClean="0"/>
-              <a:t>夜中ちょうどいいコーデ</a:t>
-            </a:r>
-            <a:endParaRPr lang="en-US" altLang="ja-JP" dirty="0" smtClean="0"/>
-          </a:p>
-          <a:p>
-            <a:pPr algn="ctr"/>
-            <a:endParaRPr kumimoji="1" lang="en-US" altLang="ja-JP" dirty="0"/>
-          </a:p>
-          <a:p>
-            <a:pPr algn="ctr"/>
-            <a:endParaRPr lang="en-US" altLang="ja-JP" dirty="0" smtClean="0"/>
-          </a:p>
-          <a:p>
-            <a:pPr algn="ctr"/>
-            <a:endParaRPr lang="en-US" altLang="ja-JP" dirty="0" smtClean="0"/>
-          </a:p>
-          <a:p>
-            <a:pPr algn="ctr"/>
-            <a:r>
-              <a:rPr kumimoji="1" lang="ja-JP" altLang="en-US" dirty="0" smtClean="0"/>
-              <a:t>いいね</a:t>
-            </a:r>
-            <a:r>
-              <a:rPr lang="ja-JP" altLang="en-US" dirty="0" smtClean="0"/>
-              <a:t>👍</a:t>
-            </a:r>
-            <a:endParaRPr kumimoji="1" lang="ja-JP" altLang="en-US" dirty="0"/>
-          </a:p>
-        </p:txBody>
-      </p:sp>
-      <p:sp>
-        <p:nvSpPr>
-          <p:cNvPr id="33" name="正方形/長方形 32"/>
-          <p:cNvSpPr/>
-          <p:nvPr/>
-        </p:nvSpPr>
-        <p:spPr>
-          <a:xfrm>
-            <a:off x="988594" y="3942249"/>
-            <a:ext cx="2176518" cy="2689775"/>
-          </a:xfrm>
-          <a:prstGeom prst="rect">
-            <a:avLst/>
-          </a:prstGeom>
-          <a:ln>
-            <a:solidFill>
-              <a:schemeClr val="tx1"/>
-            </a:solidFill>
-          </a:ln>
-        </p:spPr>
-        <p:style>
-          <a:lnRef idx="2">
-            <a:schemeClr val="accent1">
-              <a:shade val="50000"/>
-            </a:schemeClr>
-          </a:lnRef>
-          <a:fillRef idx="1">
-            <a:schemeClr val="accent1"/>
-          </a:fillRef>
-          <a:effectRef idx="0">
-            <a:schemeClr val="accent1"/>
-          </a:effectRef>
-          <a:fontRef idx="minor">
-            <a:schemeClr val="lt1"/>
-          </a:fontRef>
-        </p:style>
-        <p:txBody>
-          <a:bodyPr rtlCol="0" anchor="t"/>
-          <a:lstStyle/>
-          <a:p>
-            <a:pPr algn="ctr"/>
-            <a:endParaRPr lang="en-US" altLang="ja-JP" dirty="0" smtClean="0"/>
-          </a:p>
-          <a:p>
-            <a:pPr algn="ctr"/>
-            <a:endParaRPr lang="en-US" altLang="ja-JP" dirty="0"/>
-          </a:p>
-          <a:p>
-            <a:pPr algn="ctr"/>
-            <a:r>
-              <a:rPr lang="ja-JP" altLang="en-US" dirty="0" smtClean="0"/>
-              <a:t>朝ちょうどいいコーデ</a:t>
-            </a:r>
-            <a:endParaRPr lang="en-US" altLang="ja-JP" dirty="0" smtClean="0"/>
-          </a:p>
-          <a:p>
-            <a:pPr algn="ctr"/>
-            <a:endParaRPr kumimoji="1" lang="en-US" altLang="ja-JP" dirty="0"/>
-          </a:p>
-          <a:p>
-            <a:pPr algn="ctr"/>
-            <a:endParaRPr lang="en-US" altLang="ja-JP" dirty="0" smtClean="0"/>
-          </a:p>
-          <a:p>
-            <a:pPr algn="ctr"/>
-            <a:endParaRPr lang="en-US" altLang="ja-JP" dirty="0" smtClean="0"/>
-          </a:p>
-          <a:p>
-            <a:pPr algn="ctr"/>
-            <a:r>
-              <a:rPr kumimoji="1" lang="ja-JP" altLang="en-US" dirty="0" smtClean="0"/>
-              <a:t>いいね</a:t>
-            </a:r>
-            <a:r>
-              <a:rPr lang="ja-JP" altLang="en-US" dirty="0" smtClean="0"/>
-              <a:t>👍</a:t>
-            </a:r>
-            <a:endParaRPr kumimoji="1" lang="ja-JP" altLang="en-US" dirty="0"/>
-          </a:p>
-        </p:txBody>
-      </p:sp>
-      <p:sp>
-        <p:nvSpPr>
-          <p:cNvPr id="34" name="正方形/長方形 33"/>
-          <p:cNvSpPr/>
-          <p:nvPr/>
-        </p:nvSpPr>
-        <p:spPr>
-          <a:xfrm>
-            <a:off x="-757277" y="3942247"/>
-            <a:ext cx="1598887" cy="2689775"/>
-          </a:xfrm>
-          <a:prstGeom prst="rect">
-            <a:avLst/>
-          </a:prstGeom>
-          <a:ln>
-            <a:solidFill>
-              <a:schemeClr val="tx1"/>
-            </a:solidFill>
-          </a:ln>
-        </p:spPr>
-        <p:style>
-          <a:lnRef idx="2">
-            <a:schemeClr val="accent1">
-              <a:shade val="50000"/>
-            </a:schemeClr>
-          </a:lnRef>
-          <a:fillRef idx="1">
-            <a:schemeClr val="accent1"/>
-          </a:fillRef>
-          <a:effectRef idx="0">
-            <a:schemeClr val="accent1"/>
-          </a:effectRef>
-          <a:fontRef idx="minor">
-            <a:schemeClr val="lt1"/>
-          </a:fontRef>
-        </p:style>
-        <p:txBody>
-          <a:bodyPr rtlCol="0" anchor="t"/>
-          <a:lstStyle/>
-          <a:p>
-            <a:pPr algn="ctr"/>
-            <a:endParaRPr lang="en-US" altLang="ja-JP" dirty="0" smtClean="0"/>
-          </a:p>
-          <a:p>
-            <a:pPr algn="ctr"/>
-            <a:endParaRPr lang="en-US" altLang="ja-JP" dirty="0"/>
-          </a:p>
-          <a:p>
-            <a:pPr algn="ctr"/>
-            <a:r>
-              <a:rPr lang="ja-JP" altLang="en-US" dirty="0" smtClean="0"/>
-              <a:t>朝ちょうどいいコーデ</a:t>
-            </a:r>
-            <a:endParaRPr lang="en-US" altLang="ja-JP" dirty="0" smtClean="0"/>
-          </a:p>
-          <a:p>
-            <a:pPr algn="ctr"/>
-            <a:endParaRPr kumimoji="1" lang="en-US" altLang="ja-JP" dirty="0"/>
-          </a:p>
-          <a:p>
-            <a:pPr algn="ctr"/>
-            <a:endParaRPr lang="en-US" altLang="ja-JP" dirty="0" smtClean="0"/>
-          </a:p>
-          <a:p>
-            <a:pPr algn="ctr"/>
-            <a:endParaRPr lang="en-US" altLang="ja-JP" dirty="0" smtClean="0"/>
-          </a:p>
-          <a:p>
-            <a:pPr algn="ctr"/>
-            <a:r>
-              <a:rPr kumimoji="1" lang="ja-JP" altLang="en-US" dirty="0" smtClean="0"/>
-              <a:t>いいね</a:t>
-            </a:r>
-            <a:r>
-              <a:rPr lang="ja-JP" altLang="en-US" dirty="0" smtClean="0"/>
-              <a:t>👍</a:t>
-            </a:r>
-            <a:endParaRPr kumimoji="1" lang="ja-JP" altLang="en-US" dirty="0"/>
-          </a:p>
-        </p:txBody>
-      </p:sp>
-      <p:sp>
-        <p:nvSpPr>
-          <p:cNvPr id="35" name="正方形/長方形 34"/>
-          <p:cNvSpPr/>
-          <p:nvPr/>
-        </p:nvSpPr>
-        <p:spPr>
-          <a:xfrm>
-            <a:off x="3312095" y="3948597"/>
-            <a:ext cx="1897117" cy="2689775"/>
-          </a:xfrm>
-          <a:prstGeom prst="rect">
-            <a:avLst/>
-          </a:prstGeom>
-          <a:ln>
-            <a:solidFill>
-              <a:schemeClr val="tx1"/>
-            </a:solidFill>
-          </a:ln>
-        </p:spPr>
-        <p:style>
-          <a:lnRef idx="2">
-            <a:schemeClr val="accent1">
-              <a:shade val="50000"/>
-            </a:schemeClr>
-          </a:lnRef>
-          <a:fillRef idx="1">
-            <a:schemeClr val="accent1"/>
-          </a:fillRef>
-          <a:effectRef idx="0">
-            <a:schemeClr val="accent1"/>
-          </a:effectRef>
-          <a:fontRef idx="minor">
-            <a:schemeClr val="lt1"/>
-          </a:fontRef>
-        </p:style>
-        <p:txBody>
-          <a:bodyPr rtlCol="0" anchor="t"/>
-          <a:lstStyle/>
-          <a:p>
-            <a:pPr algn="ctr"/>
-            <a:endParaRPr lang="en-US" altLang="ja-JP" dirty="0" smtClean="0"/>
-          </a:p>
-          <a:p>
-            <a:pPr algn="ctr"/>
-            <a:endParaRPr lang="en-US" altLang="ja-JP" dirty="0"/>
-          </a:p>
-          <a:p>
-            <a:pPr algn="ctr"/>
-            <a:r>
-              <a:rPr lang="ja-JP" altLang="en-US" dirty="0" smtClean="0"/>
-              <a:t>朝ちょうどいいコーデ</a:t>
-            </a:r>
-            <a:endParaRPr lang="en-US" altLang="ja-JP" dirty="0" smtClean="0"/>
-          </a:p>
-          <a:p>
-            <a:pPr algn="ctr"/>
-            <a:endParaRPr kumimoji="1" lang="en-US" altLang="ja-JP" dirty="0"/>
-          </a:p>
-          <a:p>
-            <a:pPr algn="ctr"/>
-            <a:endParaRPr lang="en-US" altLang="ja-JP" dirty="0" smtClean="0"/>
-          </a:p>
-          <a:p>
-            <a:pPr algn="ctr"/>
-            <a:endParaRPr lang="en-US" altLang="ja-JP" dirty="0" smtClean="0"/>
-          </a:p>
-          <a:p>
-            <a:pPr algn="ctr"/>
-            <a:r>
-              <a:rPr kumimoji="1" lang="ja-JP" altLang="en-US" dirty="0" smtClean="0"/>
-              <a:t>いいね</a:t>
-            </a:r>
-            <a:r>
-              <a:rPr lang="ja-JP" altLang="en-US" dirty="0" smtClean="0"/>
-              <a:t>👍</a:t>
-            </a:r>
-            <a:endParaRPr kumimoji="1" lang="ja-JP" altLang="en-US" dirty="0"/>
-          </a:p>
-        </p:txBody>
-      </p:sp>
-      <p:sp>
-        <p:nvSpPr>
           <p:cNvPr id="9" name="角丸四角形 8"/>
           <p:cNvSpPr/>
           <p:nvPr/>
         </p:nvSpPr>
         <p:spPr>
           <a:xfrm>
-            <a:off x="8559800" y="3052140"/>
-            <a:ext cx="3289738" cy="756745"/>
+            <a:off x="2218605" y="-199701"/>
+            <a:ext cx="3289738" cy="1222812"/>
           </a:xfrm>
           <a:prstGeom prst="roundRect">
             <a:avLst/>
@@ -4908,36 +4350,7 @@
                   </a:solidFill>
                 </a:ln>
               </a:rPr>
-              <a:t>日中になっても気温はあまり上がりません。夜にはさらに冷え込みます。</a:t>
-            </a:r>
-            <a:endParaRPr lang="en-US" altLang="ja-JP" sz="1400" dirty="0" smtClean="0">
-              <a:ln>
-                <a:solidFill>
-                  <a:sysClr val="windowText" lastClr="000000"/>
-                </a:solidFill>
-              </a:ln>
-            </a:endParaRPr>
-          </a:p>
-          <a:p>
-            <a:r>
-              <a:rPr kumimoji="1" lang="ja-JP" altLang="en-US" sz="1400" dirty="0" smtClean="0">
-                <a:ln>
-                  <a:solidFill>
-                    <a:sysClr val="windowText" lastClr="000000"/>
-                  </a:solidFill>
-                </a:ln>
-              </a:rPr>
-              <a:t>雨は</a:t>
-            </a:r>
-            <a:r>
-              <a:rPr lang="en-US" altLang="ja-JP" sz="1400" dirty="0" smtClean="0">
-                <a:ln>
-                  <a:solidFill>
-                    <a:sysClr val="windowText" lastClr="000000"/>
-                  </a:solidFill>
-                </a:ln>
-              </a:rPr>
-              <a:t>13</a:t>
+              <a:t>今日</a:t>
             </a:r>
             <a:r>
               <a:rPr lang="ja-JP" altLang="en-US" sz="1400" dirty="0" smtClean="0">
@@ -4947,7 +4360,47 @@
                   </a:solidFill>
                 </a:ln>
               </a:rPr>
-              <a:t>時ごろから明日まで降ります。</a:t>
+              <a:t>は厚手のコートなどが活躍する日です。</a:t>
+            </a:r>
+            <a:r>
+              <a:rPr lang="ja-JP" altLang="en-US" sz="1400" dirty="0" smtClean="0">
+                <a:ln>
+                  <a:solidFill>
+                    <a:sysClr val="windowText" lastClr="000000"/>
+                  </a:solidFill>
+                </a:ln>
+              </a:rPr>
+              <a:t>日中</a:t>
+            </a:r>
+            <a:r>
+              <a:rPr lang="ja-JP" altLang="en-US" sz="1400" dirty="0" smtClean="0">
+                <a:ln>
+                  <a:solidFill>
+                    <a:sysClr val="windowText" lastClr="000000"/>
+                  </a:solidFill>
+                </a:ln>
+              </a:rPr>
+              <a:t>になっても気温はあまり上がりません。夜にはさらに冷え込みます</a:t>
+            </a:r>
+            <a:r>
+              <a:rPr lang="ja-JP" altLang="en-US" sz="1400" dirty="0" smtClean="0">
+                <a:ln>
+                  <a:solidFill>
+                    <a:sysClr val="windowText" lastClr="000000"/>
+                  </a:solidFill>
+                </a:ln>
+              </a:rPr>
+              <a:t>。ですので何か羽織れる</a:t>
+            </a:r>
+            <a:r>
+              <a:rPr lang="ja-JP" altLang="en-US" sz="1400" smtClean="0">
+                <a:ln>
+                  <a:solidFill>
+                    <a:sysClr val="windowText" lastClr="000000"/>
+                  </a:solidFill>
+                </a:ln>
+              </a:rPr>
+              <a:t>ものを用意するといいでしょう。</a:t>
             </a:r>
             <a:endParaRPr kumimoji="1" lang="en-US" altLang="ja-JP" sz="1400" dirty="0" smtClean="0">
               <a:ln>
@@ -4961,14 +4414,14 @@
       </p:sp>
       <p:sp>
         <p:nvSpPr>
-          <p:cNvPr id="8" name="角丸四角形 7"/>
+          <p:cNvPr id="12" name="角丸四角形 11"/>
           <p:cNvSpPr/>
           <p:nvPr/>
         </p:nvSpPr>
         <p:spPr>
           <a:xfrm>
-            <a:off x="8559800" y="3942249"/>
-            <a:ext cx="3289738" cy="756745"/>
+            <a:off x="8559800" y="2048910"/>
+            <a:ext cx="3289738" cy="1222812"/>
           </a:xfrm>
           <a:prstGeom prst="roundRect">
             <a:avLst/>
@@ -5005,26 +4458,7 @@
                   </a:solidFill>
                 </a:ln>
               </a:rPr>
-              <a:t>朝は寒いですが日中は暑くなります。夜には再び冷え込みます。</a:t>
-            </a:r>
-            <a:endParaRPr lang="en-US" altLang="ja-JP" sz="1400" dirty="0" smtClean="0">
-              <a:ln>
-                <a:solidFill>
-                  <a:sysClr val="windowText" lastClr="000000"/>
-                </a:solidFill>
-              </a:ln>
-            </a:endParaRPr>
-          </a:p>
-          <a:p>
-            <a:r>
-              <a:rPr kumimoji="1" lang="ja-JP" altLang="en-US" sz="1400" dirty="0" smtClean="0">
-                <a:ln>
-                  <a:solidFill>
-                    <a:sysClr val="windowText" lastClr="000000"/>
-                  </a:solidFill>
-                </a:ln>
-              </a:rPr>
-              <a:t>雨は</a:t>
+              <a:t>今日</a:t>
             </a:r>
             <a:r>
               <a:rPr lang="ja-JP" altLang="en-US" sz="1400" dirty="0" smtClean="0">
@@ -5034,7 +4468,47 @@
                   </a:solidFill>
                 </a:ln>
               </a:rPr>
-              <a:t>降りません。</a:t>
+              <a:t>は厚手のコートなどが活躍する日です。</a:t>
+            </a:r>
+            <a:r>
+              <a:rPr lang="ja-JP" altLang="en-US" sz="1400" dirty="0" smtClean="0">
+                <a:ln>
+                  <a:solidFill>
+                    <a:sysClr val="windowText" lastClr="000000"/>
+                  </a:solidFill>
+                </a:ln>
+              </a:rPr>
+              <a:t>日中</a:t>
+            </a:r>
+            <a:r>
+              <a:rPr lang="ja-JP" altLang="en-US" sz="1400" dirty="0" smtClean="0">
+                <a:ln>
+                  <a:solidFill>
+                    <a:sysClr val="windowText" lastClr="000000"/>
+                  </a:solidFill>
+                </a:ln>
+              </a:rPr>
+              <a:t>になっても気温はあまり上がりません。夜にはさらに冷え込みます</a:t>
+            </a:r>
+            <a:r>
+              <a:rPr lang="ja-JP" altLang="en-US" sz="1400" dirty="0" smtClean="0">
+                <a:ln>
+                  <a:solidFill>
+                    <a:sysClr val="windowText" lastClr="000000"/>
+                  </a:solidFill>
+                </a:ln>
+              </a:rPr>
+              <a:t>。ですので何か羽織れる</a:t>
+            </a:r>
+            <a:r>
+              <a:rPr lang="ja-JP" altLang="en-US" sz="1400" smtClean="0">
+                <a:ln>
+                  <a:solidFill>
+                    <a:sysClr val="windowText" lastClr="000000"/>
+                  </a:solidFill>
+                </a:ln>
+              </a:rPr>
+              <a:t>ものを用意するといいでしょう。</a:t>
             </a:r>
             <a:endParaRPr kumimoji="1" lang="en-US" altLang="ja-JP" sz="1400" dirty="0" smtClean="0">
               <a:ln>
